--- a/Torus VR Puzzle Game.pptx
+++ b/Torus VR Puzzle Game.pptx
@@ -5,14 +5,13 @@
     <p:sldMasterId id="2147483686" r:id="rId1"/>
   </p:sldMasterIdLst>
   <p:notesMasterIdLst>
-    <p:notesMasterId r:id="rId7"/>
+    <p:notesMasterId r:id="rId6"/>
   </p:notesMasterIdLst>
   <p:sldIdLst>
     <p:sldId id="256" r:id="rId2"/>
     <p:sldId id="258" r:id="rId3"/>
     <p:sldId id="259" r:id="rId4"/>
     <p:sldId id="257" r:id="rId5"/>
-    <p:sldId id="260" r:id="rId6"/>
   </p:sldIdLst>
   <p:sldSz cx="12192000" cy="6858000"/>
   <p:notesSz cx="6858000" cy="9144000"/>
@@ -5773,7 +5772,7 @@
           <a:p>
             <a:r>
               <a:rPr lang="en-IE" dirty="0"/>
-              <a:t>Colour Selection</a:t>
+              <a:t>Accessibility Options</a:t>
             </a:r>
           </a:p>
         </p:txBody>
@@ -5820,86 +5819,6 @@
     <p:extLst>
       <p:ext uri="{BB962C8B-B14F-4D97-AF65-F5344CB8AC3E}">
         <p14:creationId xmlns:p14="http://schemas.microsoft.com/office/powerpoint/2010/main" val="2754496122"/>
-      </p:ext>
-    </p:extLst>
-  </p:cSld>
-  <p:clrMapOvr>
-    <a:masterClrMapping/>
-  </p:clrMapOvr>
-</p:sld>
-</file>
-
-<file path=ppt/slides/slide5.xml><?xml version="1.0" encoding="utf-8"?>
-<p:sld xmlns:a="http://schemas.openxmlformats.org/drawingml/2006/main" xmlns:r="http://schemas.openxmlformats.org/officeDocument/2006/relationships" xmlns:p="http://schemas.openxmlformats.org/presentationml/2006/main">
-  <p:cSld>
-    <p:spTree>
-      <p:nvGrpSpPr>
-        <p:cNvPr id="1" name=""/>
-        <p:cNvGrpSpPr/>
-        <p:nvPr/>
-      </p:nvGrpSpPr>
-      <p:grpSpPr>
-        <a:xfrm>
-          <a:off x="0" y="0"/>
-          <a:ext cx="0" cy="0"/>
-          <a:chOff x="0" y="0"/>
-          <a:chExt cx="0" cy="0"/>
-        </a:xfrm>
-      </p:grpSpPr>
-      <p:sp>
-        <p:nvSpPr>
-          <p:cNvPr id="2" name="Title 1">
-            <a:extLst>
-              <a:ext uri="{FF2B5EF4-FFF2-40B4-BE49-F238E27FC236}">
-                <a16:creationId xmlns:a16="http://schemas.microsoft.com/office/drawing/2014/main" id="{5EBA9D41-F7E5-399C-CA6E-61FF263150E2}"/>
-              </a:ext>
-            </a:extLst>
-          </p:cNvPr>
-          <p:cNvSpPr>
-            <a:spLocks noGrp="1"/>
-          </p:cNvSpPr>
-          <p:nvPr>
-            <p:ph type="title"/>
-          </p:nvPr>
-        </p:nvSpPr>
-        <p:spPr/>
-        <p:txBody>
-          <a:bodyPr/>
-          <a:lstStyle/>
-          <a:p>
-            <a:endParaRPr lang="en-IE" dirty="0"/>
-          </a:p>
-        </p:txBody>
-      </p:sp>
-      <p:sp>
-        <p:nvSpPr>
-          <p:cNvPr id="3" name="Content Placeholder 2">
-            <a:extLst>
-              <a:ext uri="{FF2B5EF4-FFF2-40B4-BE49-F238E27FC236}">
-                <a16:creationId xmlns:a16="http://schemas.microsoft.com/office/drawing/2014/main" id="{9BDCB173-7654-6822-75FE-D0A07C25786F}"/>
-              </a:ext>
-            </a:extLst>
-          </p:cNvPr>
-          <p:cNvSpPr>
-            <a:spLocks noGrp="1"/>
-          </p:cNvSpPr>
-          <p:nvPr>
-            <p:ph idx="1"/>
-          </p:nvPr>
-        </p:nvSpPr>
-        <p:spPr/>
-        <p:txBody>
-          <a:bodyPr/>
-          <a:lstStyle/>
-          <a:p>
-            <a:endParaRPr lang="en-IE"/>
-          </a:p>
-        </p:txBody>
-      </p:sp>
-    </p:spTree>
-    <p:extLst>
-      <p:ext uri="{BB962C8B-B14F-4D97-AF65-F5344CB8AC3E}">
-        <p14:creationId xmlns:p14="http://schemas.microsoft.com/office/powerpoint/2010/main" val="3864886447"/>
       </p:ext>
     </p:extLst>
   </p:cSld>

--- a/Torus VR Puzzle Game.pptx
+++ b/Torus VR Puzzle Game.pptx
@@ -5663,7 +5663,7 @@
           <a:lstStyle/>
           <a:p>
             <a:r>
-              <a:rPr lang="en-IE" sz="3200"/>
+              <a:rPr lang="en-IE" sz="3200" dirty="0"/>
               <a:t>Level Design</a:t>
             </a:r>
           </a:p>
@@ -5712,6 +5712,42 @@
           </a:p>
         </p:txBody>
       </p:sp>
+      <p:pic>
+        <p:nvPicPr>
+          <p:cNvPr id="7" name="Picture 6" descr="Icon&#10;&#10;Description automatically generated">
+            <a:extLst>
+              <a:ext uri="{FF2B5EF4-FFF2-40B4-BE49-F238E27FC236}">
+                <a16:creationId xmlns:a16="http://schemas.microsoft.com/office/drawing/2014/main" id="{924BC11E-C859-F58A-8AC4-F7BF5F2AB6AA}"/>
+              </a:ext>
+            </a:extLst>
+          </p:cNvPr>
+          <p:cNvPicPr>
+            <a:picLocks noChangeAspect="1"/>
+          </p:cNvPicPr>
+          <p:nvPr/>
+        </p:nvPicPr>
+        <p:blipFill>
+          <a:blip r:embed="rId4">
+            <a:extLst>
+              <a:ext uri="{28A0092B-C50C-407E-A947-70E740481C1C}">
+                <a14:useLocalDpi xmlns:a14="http://schemas.microsoft.com/office/drawing/2010/main" val="0"/>
+              </a:ext>
+            </a:extLst>
+          </a:blip>
+          <a:stretch>
+            <a:fillRect/>
+          </a:stretch>
+        </p:blipFill>
+        <p:spPr>
+          <a:xfrm>
+            <a:off x="3730752" y="350487"/>
+            <a:ext cx="3191256" cy="1774709"/>
+          </a:xfrm>
+          <a:prstGeom prst="rect">
+            <a:avLst/>
+          </a:prstGeom>
+        </p:spPr>
+      </p:pic>
     </p:spTree>
     <p:extLst>
       <p:ext uri="{BB962C8B-B14F-4D97-AF65-F5344CB8AC3E}">

--- a/Torus VR Puzzle Game.pptx
+++ b/Torus VR Puzzle Game.pptx
@@ -5711,6 +5711,42 @@
           </a:p>
         </p:txBody>
       </p:sp>
+      <p:pic>
+        <p:nvPicPr>
+          <p:cNvPr id="10" name="Picture 9" descr="Icon&#10;&#10;Description automatically generated">
+            <a:extLst>
+              <a:ext uri="{FF2B5EF4-FFF2-40B4-BE49-F238E27FC236}">
+                <a16:creationId xmlns:a16="http://schemas.microsoft.com/office/drawing/2014/main" id="{C1EB9FCC-87B1-A7BC-55DA-C53A4325641C}"/>
+              </a:ext>
+            </a:extLst>
+          </p:cNvPr>
+          <p:cNvPicPr>
+            <a:picLocks noChangeAspect="1"/>
+          </p:cNvPicPr>
+          <p:nvPr/>
+        </p:nvPicPr>
+        <p:blipFill>
+          <a:blip r:embed="rId4">
+            <a:extLst>
+              <a:ext uri="{28A0092B-C50C-407E-A947-70E740481C1C}">
+                <a14:useLocalDpi xmlns:a14="http://schemas.microsoft.com/office/drawing/2010/main" val="0"/>
+              </a:ext>
+            </a:extLst>
+          </a:blip>
+          <a:stretch>
+            <a:fillRect/>
+          </a:stretch>
+        </p:blipFill>
+        <p:spPr>
+          <a:xfrm>
+            <a:off x="3355848" y="194365"/>
+            <a:ext cx="4059936" cy="2257796"/>
+          </a:xfrm>
+          <a:prstGeom prst="rect">
+            <a:avLst/>
+          </a:prstGeom>
+        </p:spPr>
+      </p:pic>
     </p:spTree>
     <p:extLst>
       <p:ext uri="{BB962C8B-B14F-4D97-AF65-F5344CB8AC3E}">
